--- a/c_netproject/keil 환경 설정.pptx
+++ b/c_netproject/keil 환경 설정.pptx
@@ -5,7 +5,7 @@
     <p:sldMasterId id="2147483648" r:id="rId1"/>
   </p:sldMasterIdLst>
   <p:notesMasterIdLst>
-    <p:notesMasterId r:id="rId9"/>
+    <p:notesMasterId r:id="rId12"/>
   </p:notesMasterIdLst>
   <p:sldIdLst>
     <p:sldId id="256" r:id="rId2"/>
@@ -15,6 +15,9 @@
     <p:sldId id="259" r:id="rId6"/>
     <p:sldId id="260" r:id="rId7"/>
     <p:sldId id="262" r:id="rId8"/>
+    <p:sldId id="263" r:id="rId9"/>
+    <p:sldId id="265" r:id="rId10"/>
+    <p:sldId id="264" r:id="rId11"/>
   </p:sldIdLst>
   <p:sldSz cx="12192000" cy="6858000"/>
   <p:notesSz cx="6858000" cy="9144000"/>
@@ -203,7 +206,7 @@
           <a:p>
             <a:fld id="{3D9D6E88-5CE8-4654-ACF5-37FDAA2E4F34}" type="datetimeFigureOut">
               <a:rPr lang="ko-KR" altLang="en-US" smtClean="0"/>
-              <a:t>2018-10-25</a:t>
+              <a:t>2018-11-08</a:t>
             </a:fld>
             <a:endParaRPr lang="ko-KR" altLang="en-US"/>
           </a:p>
@@ -704,7 +707,7 @@
           <a:p>
             <a:fld id="{1E91FE74-13B5-4F37-ACE0-592A85B7418C}" type="datetimeFigureOut">
               <a:rPr lang="ko-KR" altLang="en-US" smtClean="0"/>
-              <a:t>2018-10-25</a:t>
+              <a:t>2018-11-08</a:t>
             </a:fld>
             <a:endParaRPr lang="ko-KR" altLang="en-US"/>
           </a:p>
@@ -902,7 +905,7 @@
           <a:p>
             <a:fld id="{1E91FE74-13B5-4F37-ACE0-592A85B7418C}" type="datetimeFigureOut">
               <a:rPr lang="ko-KR" altLang="en-US" smtClean="0"/>
-              <a:t>2018-10-25</a:t>
+              <a:t>2018-11-08</a:t>
             </a:fld>
             <a:endParaRPr lang="ko-KR" altLang="en-US"/>
           </a:p>
@@ -1110,7 +1113,7 @@
           <a:p>
             <a:fld id="{1E91FE74-13B5-4F37-ACE0-592A85B7418C}" type="datetimeFigureOut">
               <a:rPr lang="ko-KR" altLang="en-US" smtClean="0"/>
-              <a:t>2018-10-25</a:t>
+              <a:t>2018-11-08</a:t>
             </a:fld>
             <a:endParaRPr lang="ko-KR" altLang="en-US"/>
           </a:p>
@@ -1308,7 +1311,7 @@
           <a:p>
             <a:fld id="{1E91FE74-13B5-4F37-ACE0-592A85B7418C}" type="datetimeFigureOut">
               <a:rPr lang="ko-KR" altLang="en-US" smtClean="0"/>
-              <a:t>2018-10-25</a:t>
+              <a:t>2018-11-08</a:t>
             </a:fld>
             <a:endParaRPr lang="ko-KR" altLang="en-US"/>
           </a:p>
@@ -1583,7 +1586,7 @@
           <a:p>
             <a:fld id="{1E91FE74-13B5-4F37-ACE0-592A85B7418C}" type="datetimeFigureOut">
               <a:rPr lang="ko-KR" altLang="en-US" smtClean="0"/>
-              <a:t>2018-10-25</a:t>
+              <a:t>2018-11-08</a:t>
             </a:fld>
             <a:endParaRPr lang="ko-KR" altLang="en-US"/>
           </a:p>
@@ -1848,7 +1851,7 @@
           <a:p>
             <a:fld id="{1E91FE74-13B5-4F37-ACE0-592A85B7418C}" type="datetimeFigureOut">
               <a:rPr lang="ko-KR" altLang="en-US" smtClean="0"/>
-              <a:t>2018-10-25</a:t>
+              <a:t>2018-11-08</a:t>
             </a:fld>
             <a:endParaRPr lang="ko-KR" altLang="en-US"/>
           </a:p>
@@ -2260,7 +2263,7 @@
           <a:p>
             <a:fld id="{1E91FE74-13B5-4F37-ACE0-592A85B7418C}" type="datetimeFigureOut">
               <a:rPr lang="ko-KR" altLang="en-US" smtClean="0"/>
-              <a:t>2018-10-25</a:t>
+              <a:t>2018-11-08</a:t>
             </a:fld>
             <a:endParaRPr lang="ko-KR" altLang="en-US"/>
           </a:p>
@@ -2401,7 +2404,7 @@
           <a:p>
             <a:fld id="{1E91FE74-13B5-4F37-ACE0-592A85B7418C}" type="datetimeFigureOut">
               <a:rPr lang="ko-KR" altLang="en-US" smtClean="0"/>
-              <a:t>2018-10-25</a:t>
+              <a:t>2018-11-08</a:t>
             </a:fld>
             <a:endParaRPr lang="ko-KR" altLang="en-US"/>
           </a:p>
@@ -2514,7 +2517,7 @@
           <a:p>
             <a:fld id="{1E91FE74-13B5-4F37-ACE0-592A85B7418C}" type="datetimeFigureOut">
               <a:rPr lang="ko-KR" altLang="en-US" smtClean="0"/>
-              <a:t>2018-10-25</a:t>
+              <a:t>2018-11-08</a:t>
             </a:fld>
             <a:endParaRPr lang="ko-KR" altLang="en-US"/>
           </a:p>
@@ -2825,7 +2828,7 @@
           <a:p>
             <a:fld id="{1E91FE74-13B5-4F37-ACE0-592A85B7418C}" type="datetimeFigureOut">
               <a:rPr lang="ko-KR" altLang="en-US" smtClean="0"/>
-              <a:t>2018-10-25</a:t>
+              <a:t>2018-11-08</a:t>
             </a:fld>
             <a:endParaRPr lang="ko-KR" altLang="en-US"/>
           </a:p>
@@ -3113,7 +3116,7 @@
           <a:p>
             <a:fld id="{1E91FE74-13B5-4F37-ACE0-592A85B7418C}" type="datetimeFigureOut">
               <a:rPr lang="ko-KR" altLang="en-US" smtClean="0"/>
-              <a:t>2018-10-25</a:t>
+              <a:t>2018-11-08</a:t>
             </a:fld>
             <a:endParaRPr lang="ko-KR" altLang="en-US"/>
           </a:p>
@@ -3354,7 +3357,7 @@
           <a:p>
             <a:fld id="{1E91FE74-13B5-4F37-ACE0-592A85B7418C}" type="datetimeFigureOut">
               <a:rPr lang="ko-KR" altLang="en-US" smtClean="0"/>
-              <a:t>2018-10-25</a:t>
+              <a:t>2018-11-08</a:t>
             </a:fld>
             <a:endParaRPr lang="ko-KR" altLang="en-US"/>
           </a:p>
@@ -3816,6 +3819,93 @@
 </p:sld>
 </file>
 
+<file path=ppt/slides/slide10.xml><?xml version="1.0" encoding="utf-8"?>
+<p:sld xmlns:a="http://schemas.openxmlformats.org/drawingml/2006/main" xmlns:r="http://schemas.openxmlformats.org/officeDocument/2006/relationships" xmlns:p="http://schemas.openxmlformats.org/presentationml/2006/main">
+  <p:cSld>
+    <p:spTree>
+      <p:nvGrpSpPr>
+        <p:cNvPr id="1" name=""/>
+        <p:cNvGrpSpPr/>
+        <p:nvPr/>
+      </p:nvGrpSpPr>
+      <p:grpSpPr>
+        <a:xfrm>
+          <a:off x="0" y="0"/>
+          <a:ext cx="0" cy="0"/>
+          <a:chOff x="0" y="0"/>
+          <a:chExt cx="0" cy="0"/>
+        </a:xfrm>
+      </p:grpSpPr>
+      <p:sp>
+        <p:nvSpPr>
+          <p:cNvPr id="2" name="제목 1">
+            <a:extLst>
+              <a:ext uri="{FF2B5EF4-FFF2-40B4-BE49-F238E27FC236}">
+                <a16:creationId xmlns:a16="http://schemas.microsoft.com/office/drawing/2014/main" id="{80E8CA82-8B45-47EA-9DE7-0B1EDE496A62}"/>
+              </a:ext>
+            </a:extLst>
+          </p:cNvPr>
+          <p:cNvSpPr>
+            <a:spLocks noGrp="1"/>
+          </p:cNvSpPr>
+          <p:nvPr>
+            <p:ph type="title"/>
+          </p:nvPr>
+        </p:nvSpPr>
+        <p:spPr/>
+        <p:txBody>
+          <a:bodyPr/>
+          <a:lstStyle/>
+          <a:p>
+            <a:r>
+              <a:rPr lang="ko-KR" altLang="en-US"/>
+              <a:t>참고 자료</a:t>
+            </a:r>
+          </a:p>
+        </p:txBody>
+      </p:sp>
+      <p:sp>
+        <p:nvSpPr>
+          <p:cNvPr id="3" name="내용 개체 틀 2">
+            <a:extLst>
+              <a:ext uri="{FF2B5EF4-FFF2-40B4-BE49-F238E27FC236}">
+                <a16:creationId xmlns:a16="http://schemas.microsoft.com/office/drawing/2014/main" id="{59AB8A75-8286-46DF-8E99-9F27E130135E}"/>
+              </a:ext>
+            </a:extLst>
+          </p:cNvPr>
+          <p:cNvSpPr>
+            <a:spLocks noGrp="1"/>
+          </p:cNvSpPr>
+          <p:nvPr>
+            <p:ph idx="1"/>
+          </p:nvPr>
+        </p:nvSpPr>
+        <p:spPr/>
+        <p:txBody>
+          <a:bodyPr/>
+          <a:lstStyle/>
+          <a:p>
+            <a:r>
+              <a:rPr lang="en-US" altLang="ko-KR"/>
+              <a:t>http://forum.falinux.com/zbxe/?_filter=search&amp;act=&amp;mid=lecture_tip&amp;category=&amp;search_target=title&amp;search_keyword=ARM+cortex+M3</a:t>
+            </a:r>
+            <a:endParaRPr lang="ko-KR" altLang="en-US"/>
+          </a:p>
+        </p:txBody>
+      </p:sp>
+    </p:spTree>
+    <p:extLst>
+      <p:ext uri="{BB962C8B-B14F-4D97-AF65-F5344CB8AC3E}">
+        <p14:creationId xmlns:p14="http://schemas.microsoft.com/office/powerpoint/2010/main" val="2662964409"/>
+      </p:ext>
+    </p:extLst>
+  </p:cSld>
+  <p:clrMapOvr>
+    <a:masterClrMapping/>
+  </p:clrMapOvr>
+</p:sld>
+</file>
+
 <file path=ppt/slides/slide2.xml><?xml version="1.0" encoding="utf-8"?>
 <p:sld xmlns:a="http://schemas.openxmlformats.org/drawingml/2006/main" xmlns:r="http://schemas.openxmlformats.org/officeDocument/2006/relationships" xmlns:p="http://schemas.openxmlformats.org/presentationml/2006/main">
   <p:cSld>
@@ -5015,6 +5105,309 @@
     <p:extLst>
       <p:ext uri="{BB962C8B-B14F-4D97-AF65-F5344CB8AC3E}">
         <p14:creationId xmlns:p14="http://schemas.microsoft.com/office/powerpoint/2010/main" val="202937"/>
+      </p:ext>
+    </p:extLst>
+  </p:cSld>
+  <p:clrMapOvr>
+    <a:masterClrMapping/>
+  </p:clrMapOvr>
+</p:sld>
+</file>
+
+<file path=ppt/slides/slide8.xml><?xml version="1.0" encoding="utf-8"?>
+<p:sld xmlns:a="http://schemas.openxmlformats.org/drawingml/2006/main" xmlns:r="http://schemas.openxmlformats.org/officeDocument/2006/relationships" xmlns:p="http://schemas.openxmlformats.org/presentationml/2006/main">
+  <p:cSld>
+    <p:spTree>
+      <p:nvGrpSpPr>
+        <p:cNvPr id="1" name=""/>
+        <p:cNvGrpSpPr/>
+        <p:nvPr/>
+      </p:nvGrpSpPr>
+      <p:grpSpPr>
+        <a:xfrm>
+          <a:off x="0" y="0"/>
+          <a:ext cx="0" cy="0"/>
+          <a:chOff x="0" y="0"/>
+          <a:chExt cx="0" cy="0"/>
+        </a:xfrm>
+      </p:grpSpPr>
+      <p:sp>
+        <p:nvSpPr>
+          <p:cNvPr id="2" name="제목 1">
+            <a:extLst>
+              <a:ext uri="{FF2B5EF4-FFF2-40B4-BE49-F238E27FC236}">
+                <a16:creationId xmlns:a16="http://schemas.microsoft.com/office/drawing/2014/main" id="{B397BF00-3ECE-42F2-AA62-17A87EE17AC4}"/>
+              </a:ext>
+            </a:extLst>
+          </p:cNvPr>
+          <p:cNvSpPr>
+            <a:spLocks noGrp="1"/>
+          </p:cNvSpPr>
+          <p:nvPr>
+            <p:ph type="title"/>
+          </p:nvPr>
+        </p:nvSpPr>
+        <p:spPr/>
+        <p:txBody>
+          <a:bodyPr/>
+          <a:lstStyle/>
+          <a:p>
+            <a:r>
+              <a:rPr lang="ko-KR" altLang="en-US"/>
+              <a:t>디버깅 관련</a:t>
+            </a:r>
+            <a:r>
+              <a:rPr lang="en-US" altLang="ko-KR"/>
+              <a:t>..</a:t>
+            </a:r>
+            <a:endParaRPr lang="ko-KR" altLang="en-US"/>
+          </a:p>
+        </p:txBody>
+      </p:sp>
+      <p:sp>
+        <p:nvSpPr>
+          <p:cNvPr id="3" name="내용 개체 틀 2">
+            <a:extLst>
+              <a:ext uri="{FF2B5EF4-FFF2-40B4-BE49-F238E27FC236}">
+                <a16:creationId xmlns:a16="http://schemas.microsoft.com/office/drawing/2014/main" id="{27D372F4-2FCE-4CB8-8F0A-42CCECADFFB5}"/>
+              </a:ext>
+            </a:extLst>
+          </p:cNvPr>
+          <p:cNvSpPr>
+            <a:spLocks noGrp="1"/>
+          </p:cNvSpPr>
+          <p:nvPr>
+            <p:ph idx="1"/>
+          </p:nvPr>
+        </p:nvSpPr>
+        <p:spPr/>
+        <p:txBody>
+          <a:bodyPr/>
+          <a:lstStyle/>
+          <a:p>
+            <a:r>
+              <a:rPr lang="en-US" altLang="ko-KR"/>
+              <a:t>JTAG </a:t>
+            </a:r>
+            <a:r>
+              <a:rPr lang="ko-KR" altLang="en-US"/>
+              <a:t>설명 </a:t>
+            </a:r>
+            <a:r>
+              <a:rPr lang="en-US" altLang="ko-KR"/>
+              <a:t>:</a:t>
+            </a:r>
+            <a:r>
+              <a:rPr lang="ko-KR" altLang="en-US"/>
+              <a:t> </a:t>
+            </a:r>
+            <a:r>
+              <a:rPr lang="en-US" altLang="ko-KR">
+                <a:hlinkClick r:id="rId2"/>
+              </a:rPr>
+              <a:t>http://recipes.egloos.com/5301886</a:t>
+            </a:r>
+            <a:endParaRPr lang="en-US" altLang="ko-KR"/>
+          </a:p>
+          <a:p>
+            <a:r>
+              <a:rPr lang="en-US" altLang="ko-KR"/>
+              <a:t>JTAG </a:t>
+            </a:r>
+            <a:r>
+              <a:rPr lang="ko-KR" altLang="en-US"/>
+              <a:t>단점 </a:t>
+            </a:r>
+            <a:r>
+              <a:rPr lang="en-US" altLang="ko-KR"/>
+              <a:t>: pin</a:t>
+            </a:r>
+            <a:r>
+              <a:rPr lang="ko-KR" altLang="en-US"/>
+              <a:t>개수가 많다</a:t>
+            </a:r>
+            <a:r>
+              <a:rPr lang="en-US" altLang="ko-KR"/>
+              <a:t>. (20</a:t>
+            </a:r>
+            <a:r>
+              <a:rPr lang="ko-KR" altLang="en-US"/>
+              <a:t>개 가량</a:t>
+            </a:r>
+            <a:r>
+              <a:rPr lang="en-US" altLang="ko-KR"/>
+              <a:t>)</a:t>
+            </a:r>
+          </a:p>
+          <a:p>
+            <a:pPr marL="0" indent="0">
+              <a:buNone/>
+            </a:pPr>
+            <a:r>
+              <a:rPr lang="en-US" altLang="ko-KR"/>
+              <a:t>        ↓ </a:t>
+            </a:r>
+            <a:r>
+              <a:rPr lang="ko-KR" altLang="en-US"/>
+              <a:t>해결책</a:t>
+            </a:r>
+            <a:endParaRPr lang="en-US" altLang="ko-KR"/>
+          </a:p>
+          <a:p>
+            <a:r>
+              <a:rPr lang="en-US" altLang="ko-KR"/>
+              <a:t>SWD(Serial-Wire Debug) : </a:t>
+            </a:r>
+            <a:r>
+              <a:rPr lang="ko-KR" altLang="en-US"/>
+              <a:t>시리얼 방식으로</a:t>
+            </a:r>
+            <a:r>
+              <a:rPr lang="en-US" altLang="ko-KR"/>
+              <a:t>(</a:t>
+            </a:r>
+            <a:r>
+              <a:rPr lang="ko-KR" altLang="en-US"/>
+              <a:t>클럭과 데이터 핀만 사용</a:t>
+            </a:r>
+            <a:r>
+              <a:rPr lang="en-US" altLang="ko-KR"/>
+              <a:t>-SWCLK, SWDIO) JTAG </a:t>
+            </a:r>
+            <a:r>
+              <a:rPr lang="ko-KR" altLang="en-US"/>
+              <a:t>디버깅을 할 수 있도록 하는 방법</a:t>
+            </a:r>
+            <a:endParaRPr lang="en-US" altLang="ko-KR"/>
+          </a:p>
+          <a:p>
+            <a:r>
+              <a:rPr lang="en-US" altLang="ko-KR"/>
+              <a:t>SWO(Serial Wire trace Output)</a:t>
+            </a:r>
+            <a:r>
+              <a:rPr lang="ko-KR" altLang="en-US"/>
+              <a:t>도 </a:t>
+            </a:r>
+            <a:r>
+              <a:rPr lang="en-US" altLang="ko-KR"/>
+              <a:t>SWD</a:t>
+            </a:r>
+            <a:r>
+              <a:rPr lang="ko-KR" altLang="en-US"/>
+              <a:t>를 위한 </a:t>
+            </a:r>
+            <a:r>
+              <a:rPr lang="en-US" altLang="ko-KR"/>
+              <a:t>option pin</a:t>
+            </a:r>
+            <a:r>
+              <a:rPr lang="ko-KR" altLang="en-US"/>
+              <a:t> 중 하나</a:t>
+            </a:r>
+            <a:endParaRPr lang="en-US" altLang="ko-KR"/>
+          </a:p>
+          <a:p>
+            <a:endParaRPr lang="ko-KR" altLang="en-US"/>
+          </a:p>
+        </p:txBody>
+      </p:sp>
+    </p:spTree>
+    <p:extLst>
+      <p:ext uri="{BB962C8B-B14F-4D97-AF65-F5344CB8AC3E}">
+        <p14:creationId xmlns:p14="http://schemas.microsoft.com/office/powerpoint/2010/main" val="1178324069"/>
+      </p:ext>
+    </p:extLst>
+  </p:cSld>
+  <p:clrMapOvr>
+    <a:masterClrMapping/>
+  </p:clrMapOvr>
+</p:sld>
+</file>
+
+<file path=ppt/slides/slide9.xml><?xml version="1.0" encoding="utf-8"?>
+<p:sld xmlns:a="http://schemas.openxmlformats.org/drawingml/2006/main" xmlns:r="http://schemas.openxmlformats.org/officeDocument/2006/relationships" xmlns:p="http://schemas.openxmlformats.org/presentationml/2006/main">
+  <p:cSld>
+    <p:spTree>
+      <p:nvGrpSpPr>
+        <p:cNvPr id="1" name=""/>
+        <p:cNvGrpSpPr/>
+        <p:nvPr/>
+      </p:nvGrpSpPr>
+      <p:grpSpPr>
+        <a:xfrm>
+          <a:off x="0" y="0"/>
+          <a:ext cx="0" cy="0"/>
+          <a:chOff x="0" y="0"/>
+          <a:chExt cx="0" cy="0"/>
+        </a:xfrm>
+      </p:grpSpPr>
+      <p:sp>
+        <p:nvSpPr>
+          <p:cNvPr id="2" name="제목 1">
+            <a:extLst>
+              <a:ext uri="{FF2B5EF4-FFF2-40B4-BE49-F238E27FC236}">
+                <a16:creationId xmlns:a16="http://schemas.microsoft.com/office/drawing/2014/main" id="{B397BF00-3ECE-42F2-AA62-17A87EE17AC4}"/>
+              </a:ext>
+            </a:extLst>
+          </p:cNvPr>
+          <p:cNvSpPr>
+            <a:spLocks noGrp="1"/>
+          </p:cNvSpPr>
+          <p:nvPr>
+            <p:ph type="title"/>
+          </p:nvPr>
+        </p:nvSpPr>
+        <p:spPr/>
+        <p:txBody>
+          <a:bodyPr/>
+          <a:lstStyle/>
+          <a:p>
+            <a:r>
+              <a:rPr lang="ko-KR" altLang="en-US"/>
+              <a:t>디버깅 관련</a:t>
+            </a:r>
+            <a:r>
+              <a:rPr lang="en-US" altLang="ko-KR"/>
+              <a:t>..</a:t>
+            </a:r>
+            <a:endParaRPr lang="ko-KR" altLang="en-US"/>
+          </a:p>
+        </p:txBody>
+      </p:sp>
+      <p:sp>
+        <p:nvSpPr>
+          <p:cNvPr id="3" name="내용 개체 틀 2">
+            <a:extLst>
+              <a:ext uri="{FF2B5EF4-FFF2-40B4-BE49-F238E27FC236}">
+                <a16:creationId xmlns:a16="http://schemas.microsoft.com/office/drawing/2014/main" id="{27D372F4-2FCE-4CB8-8F0A-42CCECADFFB5}"/>
+              </a:ext>
+            </a:extLst>
+          </p:cNvPr>
+          <p:cNvSpPr>
+            <a:spLocks noGrp="1"/>
+          </p:cNvSpPr>
+          <p:nvPr>
+            <p:ph idx="1"/>
+          </p:nvPr>
+        </p:nvSpPr>
+        <p:spPr/>
+        <p:txBody>
+          <a:bodyPr/>
+          <a:lstStyle/>
+          <a:p>
+            <a:r>
+              <a:rPr lang="en-US" altLang="ko-KR"/>
+              <a:t>ITM : </a:t>
+            </a:r>
+            <a:endParaRPr lang="ko-KR" altLang="en-US"/>
+          </a:p>
+        </p:txBody>
+      </p:sp>
+    </p:spTree>
+    <p:extLst>
+      <p:ext uri="{BB962C8B-B14F-4D97-AF65-F5344CB8AC3E}">
+        <p14:creationId xmlns:p14="http://schemas.microsoft.com/office/powerpoint/2010/main" val="2370221115"/>
       </p:ext>
     </p:extLst>
   </p:cSld>
